--- a/presentacion.pptx
+++ b/presentacion.pptx
@@ -6,6 +6,11 @@
   </p:sldMasterIdLst>
   <p:sldIdLst>
     <p:sldId id="256" r:id="rId2"/>
+    <p:sldId id="257" r:id="rId3"/>
+    <p:sldId id="258" r:id="rId4"/>
+    <p:sldId id="259" r:id="rId5"/>
+    <p:sldId id="260" r:id="rId6"/>
+    <p:sldId id="261" r:id="rId7"/>
   </p:sldIdLst>
   <p:sldSz cx="12192000" cy="6858000"/>
   <p:notesSz cx="6858000" cy="9144000"/>
@@ -104,6 +109,11 @@
       </a:defRPr>
     </a:lvl9pPr>
   </p:defaultTextStyle>
+  <p:extLst>
+    <p:ext uri="{EFAFB233-063F-42B5-8137-9DF3F51BA10A}">
+      <p15:sldGuideLst xmlns:p15="http://schemas.microsoft.com/office/powerpoint/2012/main"/>
+    </p:ext>
+  </p:extLst>
 </p:presentation>
 </file>
 
@@ -4143,6 +4153,539 @@
 </p:sld>
 </file>
 
+<file path=ppt/slides/slide2.xml><?xml version="1.0" encoding="utf-8"?>
+<p:sld xmlns:a="http://schemas.openxmlformats.org/drawingml/2006/main" xmlns:r="http://schemas.openxmlformats.org/officeDocument/2006/relationships" xmlns:p="http://schemas.openxmlformats.org/presentationml/2006/main">
+  <p:cSld>
+    <p:spTree>
+      <p:nvGrpSpPr>
+        <p:cNvPr id="1" name=""/>
+        <p:cNvGrpSpPr/>
+        <p:nvPr/>
+      </p:nvGrpSpPr>
+      <p:grpSpPr>
+        <a:xfrm>
+          <a:off x="0" y="0"/>
+          <a:ext cx="0" cy="0"/>
+          <a:chOff x="0" y="0"/>
+          <a:chExt cx="0" cy="0"/>
+        </a:xfrm>
+      </p:grpSpPr>
+      <p:sp>
+        <p:nvSpPr>
+          <p:cNvPr id="2" name="Título 1">
+            <a:extLst>
+              <a:ext uri="{FF2B5EF4-FFF2-40B4-BE49-F238E27FC236}">
+                <a16:creationId xmlns:a16="http://schemas.microsoft.com/office/drawing/2014/main" id="{CDAC2273-66A9-8C28-3C24-463C01057856}"/>
+              </a:ext>
+            </a:extLst>
+          </p:cNvPr>
+          <p:cNvSpPr>
+            <a:spLocks noGrp="1"/>
+          </p:cNvSpPr>
+          <p:nvPr>
+            <p:ph type="title"/>
+          </p:nvPr>
+        </p:nvSpPr>
+        <p:spPr/>
+        <p:txBody>
+          <a:bodyPr/>
+          <a:lstStyle/>
+          <a:p>
+            <a:r>
+              <a:rPr lang="es-ES" dirty="0"/>
+              <a:t>Descripción del proyecto</a:t>
+            </a:r>
+          </a:p>
+        </p:txBody>
+      </p:sp>
+      <p:sp>
+        <p:nvSpPr>
+          <p:cNvPr id="3" name="Marcador de contenido 2">
+            <a:extLst>
+              <a:ext uri="{FF2B5EF4-FFF2-40B4-BE49-F238E27FC236}">
+                <a16:creationId xmlns:a16="http://schemas.microsoft.com/office/drawing/2014/main" id="{5618ECD2-99D3-0BBA-0286-7C42C0858718}"/>
+              </a:ext>
+            </a:extLst>
+          </p:cNvPr>
+          <p:cNvSpPr>
+            <a:spLocks noGrp="1"/>
+          </p:cNvSpPr>
+          <p:nvPr>
+            <p:ph idx="1"/>
+          </p:nvPr>
+        </p:nvSpPr>
+        <p:spPr/>
+        <p:txBody>
+          <a:bodyPr>
+            <a:normAutofit lnSpcReduction="10000"/>
+          </a:bodyPr>
+          <a:lstStyle/>
+          <a:p>
+            <a:r>
+              <a:rPr lang="es-ES" i="1" dirty="0"/>
+              <a:t>Jack </a:t>
+            </a:r>
+            <a:r>
+              <a:rPr lang="es-ES" i="1" dirty="0" err="1"/>
+              <a:t>of</a:t>
+            </a:r>
+            <a:r>
+              <a:rPr lang="es-ES" i="1" dirty="0"/>
+              <a:t> </a:t>
+            </a:r>
+            <a:r>
+              <a:rPr lang="es-ES" i="1" dirty="0" err="1"/>
+              <a:t>All</a:t>
+            </a:r>
+            <a:r>
+              <a:rPr lang="es-ES" i="1" dirty="0"/>
+              <a:t> </a:t>
+            </a:r>
+            <a:r>
+              <a:rPr lang="es-ES" i="1" dirty="0" err="1"/>
+              <a:t>Games</a:t>
+            </a:r>
+            <a:r>
+              <a:rPr lang="es-ES" dirty="0"/>
+              <a:t> es una aplicación web diseñada para que los usuarios puedan gestionar su colección de videojuegos de manera sencilla. No solo permite registrar los juegos que poseen o desean, sino también realizar un seguimiento de los logros obtenidos en cada uno de ellos.</a:t>
+            </a:r>
+          </a:p>
+          <a:p>
+            <a:r>
+              <a:rPr lang="es-ES" dirty="0"/>
+              <a:t>Además, </a:t>
+            </a:r>
+            <a:r>
+              <a:rPr lang="es-ES" i="1" dirty="0"/>
+              <a:t>Jack </a:t>
+            </a:r>
+            <a:r>
+              <a:rPr lang="es-ES" i="1" dirty="0" err="1"/>
+              <a:t>of</a:t>
+            </a:r>
+            <a:r>
+              <a:rPr lang="es-ES" i="1" dirty="0"/>
+              <a:t> </a:t>
+            </a:r>
+            <a:r>
+              <a:rPr lang="es-ES" i="1" dirty="0" err="1"/>
+              <a:t>All</a:t>
+            </a:r>
+            <a:r>
+              <a:rPr lang="es-ES" i="1" dirty="0"/>
+              <a:t> </a:t>
+            </a:r>
+            <a:r>
+              <a:rPr lang="es-ES" i="1" dirty="0" err="1"/>
+              <a:t>Games</a:t>
+            </a:r>
+            <a:r>
+              <a:rPr lang="es-ES" dirty="0"/>
+              <a:t> incorpora un componente social que permite a los usuarios conectarse entre sí. Los jugadores pueden seguir a otros usuarios, explorar sus perfiles y ver sus colecciones de juegos y logros. Esto fomenta la interacción entre la comunidad, permitiendo descubrir nuevos títulos recomendados por otros jugadores y comparar progresos en los juegos favoritos.</a:t>
+            </a:r>
+          </a:p>
+        </p:txBody>
+      </p:sp>
+    </p:spTree>
+    <p:extLst>
+      <p:ext uri="{BB962C8B-B14F-4D97-AF65-F5344CB8AC3E}">
+        <p14:creationId xmlns:p14="http://schemas.microsoft.com/office/powerpoint/2010/main" val="3534778381"/>
+      </p:ext>
+    </p:extLst>
+  </p:cSld>
+  <p:clrMapOvr>
+    <a:masterClrMapping/>
+  </p:clrMapOvr>
+</p:sld>
+</file>
+
+<file path=ppt/slides/slide3.xml><?xml version="1.0" encoding="utf-8"?>
+<p:sld xmlns:a="http://schemas.openxmlformats.org/drawingml/2006/main" xmlns:r="http://schemas.openxmlformats.org/officeDocument/2006/relationships" xmlns:p="http://schemas.openxmlformats.org/presentationml/2006/main">
+  <p:cSld>
+    <p:spTree>
+      <p:nvGrpSpPr>
+        <p:cNvPr id="1" name=""/>
+        <p:cNvGrpSpPr/>
+        <p:nvPr/>
+      </p:nvGrpSpPr>
+      <p:grpSpPr>
+        <a:xfrm>
+          <a:off x="0" y="0"/>
+          <a:ext cx="0" cy="0"/>
+          <a:chOff x="0" y="0"/>
+          <a:chExt cx="0" cy="0"/>
+        </a:xfrm>
+      </p:grpSpPr>
+      <p:sp>
+        <p:nvSpPr>
+          <p:cNvPr id="2" name="Título 1">
+            <a:extLst>
+              <a:ext uri="{FF2B5EF4-FFF2-40B4-BE49-F238E27FC236}">
+                <a16:creationId xmlns:a16="http://schemas.microsoft.com/office/drawing/2014/main" id="{A262B9E3-BD92-8684-CD70-D8B129D39CDA}"/>
+              </a:ext>
+            </a:extLst>
+          </p:cNvPr>
+          <p:cNvSpPr>
+            <a:spLocks noGrp="1"/>
+          </p:cNvSpPr>
+          <p:nvPr>
+            <p:ph type="title"/>
+          </p:nvPr>
+        </p:nvSpPr>
+        <p:spPr/>
+        <p:txBody>
+          <a:bodyPr/>
+          <a:lstStyle/>
+          <a:p>
+            <a:r>
+              <a:rPr lang="es-ES" dirty="0"/>
+              <a:t>funcionalidades</a:t>
+            </a:r>
+          </a:p>
+        </p:txBody>
+      </p:sp>
+      <p:sp>
+        <p:nvSpPr>
+          <p:cNvPr id="3" name="Marcador de contenido 2">
+            <a:extLst>
+              <a:ext uri="{FF2B5EF4-FFF2-40B4-BE49-F238E27FC236}">
+                <a16:creationId xmlns:a16="http://schemas.microsoft.com/office/drawing/2014/main" id="{EA444607-8A56-B20C-F92A-CCBA9801373E}"/>
+              </a:ext>
+            </a:extLst>
+          </p:cNvPr>
+          <p:cNvSpPr>
+            <a:spLocks noGrp="1"/>
+          </p:cNvSpPr>
+          <p:nvPr>
+            <p:ph idx="1"/>
+          </p:nvPr>
+        </p:nvSpPr>
+        <p:spPr/>
+        <p:txBody>
+          <a:bodyPr/>
+          <a:lstStyle/>
+          <a:p>
+            <a:r>
+              <a:rPr lang="es-ES" dirty="0"/>
+              <a:t>- </a:t>
+            </a:r>
+            <a:r>
+              <a:rPr lang="es-ES" b="1" dirty="0"/>
+              <a:t>Gestión de la colección de juegos:</a:t>
+            </a:r>
+            <a:r>
+              <a:rPr lang="es-ES" dirty="0"/>
+              <a:t> Agregar, editar y eliminar juegos en la biblioteca personal.</a:t>
+            </a:r>
+          </a:p>
+          <a:p>
+            <a:r>
+              <a:rPr lang="es-ES" dirty="0"/>
+              <a:t>- </a:t>
+            </a:r>
+            <a:r>
+              <a:rPr lang="es-ES" b="1" dirty="0"/>
+              <a:t>Lista de deseos:</a:t>
+            </a:r>
+            <a:r>
+              <a:rPr lang="es-ES" dirty="0"/>
+              <a:t> Guardar juegos que el usuario quiere adquirir en el futuro.</a:t>
+            </a:r>
+          </a:p>
+          <a:p>
+            <a:r>
+              <a:rPr lang="es-ES" dirty="0"/>
+              <a:t>- </a:t>
+            </a:r>
+            <a:r>
+              <a:rPr lang="es-ES" b="1" dirty="0"/>
+              <a:t>Seguimiento de logros:</a:t>
+            </a:r>
+            <a:r>
+              <a:rPr lang="es-ES" dirty="0"/>
+              <a:t> Registrar y visualizar los logros desbloqueados.</a:t>
+            </a:r>
+          </a:p>
+          <a:p>
+            <a:r>
+              <a:rPr lang="es-ES" dirty="0"/>
+              <a:t>- </a:t>
+            </a:r>
+            <a:r>
+              <a:rPr lang="es-ES" b="1" dirty="0"/>
+              <a:t>Interfaz amigable y responsive:</a:t>
+            </a:r>
+            <a:r>
+              <a:rPr lang="es-ES" dirty="0"/>
+              <a:t> Diseño accesible y adaptable a diferentes dispositivos.</a:t>
+            </a:r>
+          </a:p>
+        </p:txBody>
+      </p:sp>
+    </p:spTree>
+    <p:extLst>
+      <p:ext uri="{BB962C8B-B14F-4D97-AF65-F5344CB8AC3E}">
+        <p14:creationId xmlns:p14="http://schemas.microsoft.com/office/powerpoint/2010/main" val="1694109265"/>
+      </p:ext>
+    </p:extLst>
+  </p:cSld>
+  <p:clrMapOvr>
+    <a:masterClrMapping/>
+  </p:clrMapOvr>
+</p:sld>
+</file>
+
+<file path=ppt/slides/slide4.xml><?xml version="1.0" encoding="utf-8"?>
+<p:sld xmlns:a="http://schemas.openxmlformats.org/drawingml/2006/main" xmlns:r="http://schemas.openxmlformats.org/officeDocument/2006/relationships" xmlns:p="http://schemas.openxmlformats.org/presentationml/2006/main">
+  <p:cSld>
+    <p:spTree>
+      <p:nvGrpSpPr>
+        <p:cNvPr id="1" name=""/>
+        <p:cNvGrpSpPr/>
+        <p:nvPr/>
+      </p:nvGrpSpPr>
+      <p:grpSpPr>
+        <a:xfrm>
+          <a:off x="0" y="0"/>
+          <a:ext cx="0" cy="0"/>
+          <a:chOff x="0" y="0"/>
+          <a:chExt cx="0" cy="0"/>
+        </a:xfrm>
+      </p:grpSpPr>
+      <p:sp>
+        <p:nvSpPr>
+          <p:cNvPr id="2" name="Título 1">
+            <a:extLst>
+              <a:ext uri="{FF2B5EF4-FFF2-40B4-BE49-F238E27FC236}">
+                <a16:creationId xmlns:a16="http://schemas.microsoft.com/office/drawing/2014/main" id="{634311FE-4E01-2EAE-448B-57CCC6CDEB1C}"/>
+              </a:ext>
+            </a:extLst>
+          </p:cNvPr>
+          <p:cNvSpPr>
+            <a:spLocks noGrp="1"/>
+          </p:cNvSpPr>
+          <p:nvPr>
+            <p:ph type="title"/>
+          </p:nvPr>
+        </p:nvSpPr>
+        <p:spPr/>
+        <p:txBody>
+          <a:bodyPr/>
+          <a:lstStyle/>
+          <a:p>
+            <a:r>
+              <a:rPr lang="es-ES" dirty="0" err="1"/>
+              <a:t>trello</a:t>
+            </a:r>
+            <a:endParaRPr lang="es-ES" dirty="0"/>
+          </a:p>
+        </p:txBody>
+      </p:sp>
+      <p:sp>
+        <p:nvSpPr>
+          <p:cNvPr id="3" name="Marcador de contenido 2">
+            <a:extLst>
+              <a:ext uri="{FF2B5EF4-FFF2-40B4-BE49-F238E27FC236}">
+                <a16:creationId xmlns:a16="http://schemas.microsoft.com/office/drawing/2014/main" id="{E1B0DC8A-72C6-009E-DE2C-9A816A59ECB6}"/>
+              </a:ext>
+            </a:extLst>
+          </p:cNvPr>
+          <p:cNvSpPr>
+            <a:spLocks noGrp="1"/>
+          </p:cNvSpPr>
+          <p:nvPr>
+            <p:ph idx="1"/>
+          </p:nvPr>
+        </p:nvSpPr>
+        <p:spPr/>
+        <p:txBody>
+          <a:bodyPr/>
+          <a:lstStyle/>
+          <a:p>
+            <a:endParaRPr lang="es-ES"/>
+          </a:p>
+        </p:txBody>
+      </p:sp>
+    </p:spTree>
+    <p:extLst>
+      <p:ext uri="{BB962C8B-B14F-4D97-AF65-F5344CB8AC3E}">
+        <p14:creationId xmlns:p14="http://schemas.microsoft.com/office/powerpoint/2010/main" val="1739398840"/>
+      </p:ext>
+    </p:extLst>
+  </p:cSld>
+  <p:clrMapOvr>
+    <a:masterClrMapping/>
+  </p:clrMapOvr>
+</p:sld>
+</file>
+
+<file path=ppt/slides/slide5.xml><?xml version="1.0" encoding="utf-8"?>
+<p:sld xmlns:a="http://schemas.openxmlformats.org/drawingml/2006/main" xmlns:r="http://schemas.openxmlformats.org/officeDocument/2006/relationships" xmlns:p="http://schemas.openxmlformats.org/presentationml/2006/main">
+  <p:cSld>
+    <p:spTree>
+      <p:nvGrpSpPr>
+        <p:cNvPr id="1" name=""/>
+        <p:cNvGrpSpPr/>
+        <p:nvPr/>
+      </p:nvGrpSpPr>
+      <p:grpSpPr>
+        <a:xfrm>
+          <a:off x="0" y="0"/>
+          <a:ext cx="0" cy="0"/>
+          <a:chOff x="0" y="0"/>
+          <a:chExt cx="0" cy="0"/>
+        </a:xfrm>
+      </p:grpSpPr>
+      <p:sp>
+        <p:nvSpPr>
+          <p:cNvPr id="2" name="Título 1">
+            <a:extLst>
+              <a:ext uri="{FF2B5EF4-FFF2-40B4-BE49-F238E27FC236}">
+                <a16:creationId xmlns:a16="http://schemas.microsoft.com/office/drawing/2014/main" id="{694F056F-DC5B-9551-6214-DD0190A1CE6D}"/>
+              </a:ext>
+            </a:extLst>
+          </p:cNvPr>
+          <p:cNvSpPr>
+            <a:spLocks noGrp="1"/>
+          </p:cNvSpPr>
+          <p:nvPr>
+            <p:ph type="title"/>
+          </p:nvPr>
+        </p:nvSpPr>
+        <p:spPr/>
+        <p:txBody>
+          <a:bodyPr/>
+          <a:lstStyle/>
+          <a:p>
+            <a:r>
+              <a:rPr lang="es-ES" dirty="0" err="1"/>
+              <a:t>github</a:t>
+            </a:r>
+            <a:endParaRPr lang="es-ES" dirty="0"/>
+          </a:p>
+        </p:txBody>
+      </p:sp>
+      <p:sp>
+        <p:nvSpPr>
+          <p:cNvPr id="3" name="Marcador de contenido 2">
+            <a:extLst>
+              <a:ext uri="{FF2B5EF4-FFF2-40B4-BE49-F238E27FC236}">
+                <a16:creationId xmlns:a16="http://schemas.microsoft.com/office/drawing/2014/main" id="{FEFA1BF7-A523-F434-3524-20216DCE5246}"/>
+              </a:ext>
+            </a:extLst>
+          </p:cNvPr>
+          <p:cNvSpPr>
+            <a:spLocks noGrp="1"/>
+          </p:cNvSpPr>
+          <p:nvPr>
+            <p:ph idx="1"/>
+          </p:nvPr>
+        </p:nvSpPr>
+        <p:spPr/>
+        <p:txBody>
+          <a:bodyPr/>
+          <a:lstStyle/>
+          <a:p>
+            <a:endParaRPr lang="es-ES"/>
+          </a:p>
+        </p:txBody>
+      </p:sp>
+    </p:spTree>
+    <p:extLst>
+      <p:ext uri="{BB962C8B-B14F-4D97-AF65-F5344CB8AC3E}">
+        <p14:creationId xmlns:p14="http://schemas.microsoft.com/office/powerpoint/2010/main" val="211688420"/>
+      </p:ext>
+    </p:extLst>
+  </p:cSld>
+  <p:clrMapOvr>
+    <a:masterClrMapping/>
+  </p:clrMapOvr>
+</p:sld>
+</file>
+
+<file path=ppt/slides/slide6.xml><?xml version="1.0" encoding="utf-8"?>
+<p:sld xmlns:a="http://schemas.openxmlformats.org/drawingml/2006/main" xmlns:r="http://schemas.openxmlformats.org/officeDocument/2006/relationships" xmlns:p="http://schemas.openxmlformats.org/presentationml/2006/main">
+  <p:cSld>
+    <p:spTree>
+      <p:nvGrpSpPr>
+        <p:cNvPr id="1" name=""/>
+        <p:cNvGrpSpPr/>
+        <p:nvPr/>
+      </p:nvGrpSpPr>
+      <p:grpSpPr>
+        <a:xfrm>
+          <a:off x="0" y="0"/>
+          <a:ext cx="0" cy="0"/>
+          <a:chOff x="0" y="0"/>
+          <a:chExt cx="0" cy="0"/>
+        </a:xfrm>
+      </p:grpSpPr>
+      <p:sp>
+        <p:nvSpPr>
+          <p:cNvPr id="2" name="Título 1">
+            <a:extLst>
+              <a:ext uri="{FF2B5EF4-FFF2-40B4-BE49-F238E27FC236}">
+                <a16:creationId xmlns:a16="http://schemas.microsoft.com/office/drawing/2014/main" id="{2B0B1288-9EBA-DBC1-8574-5D3F9FD9FA91}"/>
+              </a:ext>
+            </a:extLst>
+          </p:cNvPr>
+          <p:cNvSpPr>
+            <a:spLocks noGrp="1"/>
+          </p:cNvSpPr>
+          <p:nvPr>
+            <p:ph type="title"/>
+          </p:nvPr>
+        </p:nvSpPr>
+        <p:spPr/>
+        <p:txBody>
+          <a:bodyPr/>
+          <a:lstStyle/>
+          <a:p>
+            <a:r>
+              <a:rPr lang="es-ES" dirty="0"/>
+              <a:t>vídeo</a:t>
+            </a:r>
+          </a:p>
+        </p:txBody>
+      </p:sp>
+      <p:sp>
+        <p:nvSpPr>
+          <p:cNvPr id="3" name="Marcador de contenido 2">
+            <a:extLst>
+              <a:ext uri="{FF2B5EF4-FFF2-40B4-BE49-F238E27FC236}">
+                <a16:creationId xmlns:a16="http://schemas.microsoft.com/office/drawing/2014/main" id="{FD4E8871-2D0A-710A-8369-5B5F589A7ACA}"/>
+              </a:ext>
+            </a:extLst>
+          </p:cNvPr>
+          <p:cNvSpPr>
+            <a:spLocks noGrp="1"/>
+          </p:cNvSpPr>
+          <p:nvPr>
+            <p:ph idx="1"/>
+          </p:nvPr>
+        </p:nvSpPr>
+        <p:spPr/>
+        <p:txBody>
+          <a:bodyPr/>
+          <a:lstStyle/>
+          <a:p>
+            <a:endParaRPr lang="es-ES"/>
+          </a:p>
+        </p:txBody>
+      </p:sp>
+    </p:spTree>
+    <p:extLst>
+      <p:ext uri="{BB962C8B-B14F-4D97-AF65-F5344CB8AC3E}">
+        <p14:creationId xmlns:p14="http://schemas.microsoft.com/office/powerpoint/2010/main" val="1377636767"/>
+      </p:ext>
+    </p:extLst>
+  </p:cSld>
+  <p:clrMapOvr>
+    <a:masterClrMapping/>
+  </p:clrMapOvr>
+</p:sld>
+</file>
+
 <file path=ppt/theme/theme1.xml><?xml version="1.0" encoding="utf-8"?>
 <a:theme xmlns:a="http://schemas.openxmlformats.org/drawingml/2006/main" name="LimelightVTI">
   <a:themeElements>
